--- a/Search Algorithm.pptx
+++ b/Search Algorithm.pptx
@@ -6,8 +6,10 @@
   </p:sldMasterIdLst>
   <p:sldIdLst>
     <p:sldId id="256" r:id="rId2"/>
-    <p:sldId id="257" r:id="rId3"/>
-    <p:sldId id="258" r:id="rId4"/>
+    <p:sldId id="258" r:id="rId3"/>
+    <p:sldId id="257" r:id="rId4"/>
+    <p:sldId id="260" r:id="rId5"/>
+    <p:sldId id="259" r:id="rId6"/>
   </p:sldIdLst>
   <p:sldSz cx="12192000" cy="6858000"/>
   <p:notesSz cx="6858000" cy="9144000"/>
@@ -5932,7 +5934,30 @@
       </p:grpSpPr>
       <p:sp>
         <p:nvSpPr>
-          <p:cNvPr id="4" name="Content Placeholder 3"/>
+          <p:cNvPr id="2" name="Title 1"/>
+          <p:cNvSpPr>
+            <a:spLocks noGrp="1"/>
+          </p:cNvSpPr>
+          <p:nvPr>
+            <p:ph type="title"/>
+          </p:nvPr>
+        </p:nvSpPr>
+        <p:spPr/>
+        <p:txBody>
+          <a:bodyPr/>
+          <a:lstStyle/>
+          <a:p>
+            <a:r>
+              <a:rPr lang="en-US" dirty="0" smtClean="0"/>
+              <a:t>Linear search pseudocode</a:t>
+            </a:r>
+            <a:endParaRPr lang="en-US" dirty="0"/>
+          </a:p>
+        </p:txBody>
+      </p:sp>
+      <p:sp>
+        <p:nvSpPr>
+          <p:cNvPr id="3" name="Content Placeholder 2"/>
           <p:cNvSpPr>
             <a:spLocks noGrp="1"/>
           </p:cNvSpPr>
@@ -5945,93 +5970,47 @@
           <a:bodyPr/>
           <a:lstStyle/>
           <a:p>
+            <a:endParaRPr lang="en-US" dirty="0" smtClean="0"/>
+          </a:p>
+          <a:p>
+            <a:r>
+              <a:rPr lang="en-US" i="1" dirty="0"/>
+              <a:t>Linear Search is defined as a sequential </a:t>
+            </a:r>
+            <a:r>
+              <a:rPr lang="en-US" i="1" u="sng" dirty="0">
+                <a:hlinkClick r:id="rId2"/>
+              </a:rPr>
+              <a:t>search algorithm</a:t>
+            </a:r>
+            <a:r>
+              <a:rPr lang="en-US" i="1" dirty="0"/>
+              <a:t> that starts at one end and goes through each element of a list until the desired element is found, otherwise the search continues till the end of the data set.</a:t>
+            </a:r>
+            <a:endParaRPr lang="en-US" dirty="0"/>
+          </a:p>
+          <a:p>
             <a:r>
               <a:rPr lang="en-US" dirty="0" smtClean="0"/>
-              <a:t>Problem  - given an array of ‘n’ elements and a target element ‘t’ find the index of ‘t’ in the array. Return -1 if the target element is not found.</a:t>
-            </a:r>
-          </a:p>
-          <a:p>
-            <a:endParaRPr lang="en-US" dirty="0"/>
-          </a:p>
-          <a:p>
-            <a:r>
-              <a:rPr lang="en-US" dirty="0" err="1" smtClean="0"/>
-              <a:t>Arr</a:t>
-            </a:r>
+              <a:t>Start at the first element in the array  and move towards the last</a:t>
+            </a:r>
+          </a:p>
+          <a:p>
             <a:r>
               <a:rPr lang="en-US" dirty="0" smtClean="0"/>
-              <a:t> = [-5, 2,,10,4,5], t= 10 -&gt; should return 2</a:t>
-            </a:r>
-          </a:p>
-          <a:p>
-            <a:r>
-              <a:rPr lang="en-US" dirty="0" err="1"/>
-              <a:t>Arr</a:t>
-            </a:r>
-            <a:r>
-              <a:rPr lang="en-US" dirty="0"/>
-              <a:t> = [-5, 2,,10,4,5], t= 6</a:t>
-            </a:r>
+              <a:t>At each element though, check if the element is equal to the target element.</a:t>
+            </a:r>
+          </a:p>
+          <a:p>
             <a:r>
               <a:rPr lang="en-US" dirty="0" smtClean="0"/>
-              <a:t> </a:t>
-            </a:r>
-            <a:r>
-              <a:rPr lang="en-US" dirty="0"/>
-              <a:t>-&gt; should return </a:t>
-            </a:r>
+              <a:t>If element found, return the index of the element.</a:t>
+            </a:r>
+          </a:p>
+          <a:p>
             <a:r>
               <a:rPr lang="en-US" dirty="0" smtClean="0"/>
-              <a:t>4</a:t>
-            </a:r>
-            <a:endParaRPr lang="en-US" dirty="0"/>
-          </a:p>
-          <a:p>
-            <a:r>
-              <a:rPr lang="en-US" dirty="0" err="1"/>
-              <a:t>Arr</a:t>
-            </a:r>
-            <a:r>
-              <a:rPr lang="en-US" dirty="0"/>
-              <a:t> = [-5, 2,,10,4,5], t= </a:t>
-            </a:r>
-            <a:r>
-              <a:rPr lang="en-US" dirty="0" smtClean="0"/>
-              <a:t>20 </a:t>
-            </a:r>
-            <a:r>
-              <a:rPr lang="en-US" dirty="0"/>
-              <a:t>-&gt; should return </a:t>
-            </a:r>
-            <a:r>
-              <a:rPr lang="en-US" dirty="0" smtClean="0"/>
-              <a:t>-1 ( as 20 is not present in the array)</a:t>
-            </a:r>
-            <a:endParaRPr lang="en-US" dirty="0"/>
-          </a:p>
-          <a:p>
-            <a:endParaRPr lang="en-US" dirty="0" smtClean="0"/>
-          </a:p>
-        </p:txBody>
-      </p:sp>
-      <p:sp>
-        <p:nvSpPr>
-          <p:cNvPr id="5" name="Title 4"/>
-          <p:cNvSpPr>
-            <a:spLocks noGrp="1"/>
-          </p:cNvSpPr>
-          <p:nvPr>
-            <p:ph type="title"/>
-          </p:nvPr>
-        </p:nvSpPr>
-        <p:spPr/>
-        <p:txBody>
-          <a:bodyPr/>
-          <a:lstStyle/>
-          <a:p>
-            <a:r>
-              <a:rPr lang="en-US" dirty="0" smtClean="0"/>
-              <a:t>Linear Search </a:t>
+              <a:t>If we don’t found the element, return -1</a:t>
             </a:r>
             <a:endParaRPr lang="en-US" dirty="0"/>
           </a:p>
@@ -6040,7 +6019,7 @@
     </p:spTree>
     <p:extLst>
       <p:ext uri="{BB962C8B-B14F-4D97-AF65-F5344CB8AC3E}">
-        <p14:creationId xmlns:p14="http://schemas.microsoft.com/office/powerpoint/2010/main" val="3362097925"/>
+        <p14:creationId xmlns:p14="http://schemas.microsoft.com/office/powerpoint/2010/main" val="2095328188"/>
       </p:ext>
     </p:extLst>
   </p:cSld>
@@ -6069,7 +6048,91 @@
       </p:grpSpPr>
       <p:sp>
         <p:nvSpPr>
-          <p:cNvPr id="2" name="Title 1"/>
+          <p:cNvPr id="4" name="Content Placeholder 3"/>
+          <p:cNvSpPr>
+            <a:spLocks noGrp="1"/>
+          </p:cNvSpPr>
+          <p:nvPr>
+            <p:ph idx="1"/>
+          </p:nvPr>
+        </p:nvSpPr>
+        <p:spPr/>
+        <p:txBody>
+          <a:bodyPr/>
+          <a:lstStyle/>
+          <a:p>
+            <a:r>
+              <a:rPr lang="en-US" dirty="0" smtClean="0"/>
+              <a:t>Problem  - given an array of ‘n’ elements and a target element ‘t’ find the index of ‘t’ in the array. Return -1 if the target element is not found.</a:t>
+            </a:r>
+          </a:p>
+          <a:p>
+            <a:endParaRPr lang="en-US" dirty="0"/>
+          </a:p>
+          <a:p>
+            <a:r>
+              <a:rPr lang="en-US" dirty="0" err="1" smtClean="0"/>
+              <a:t>Arr</a:t>
+            </a:r>
+            <a:r>
+              <a:rPr lang="en-US" dirty="0" smtClean="0"/>
+              <a:t> = [-5, 2,,10,4,5], t= 10 -&gt; should return 2</a:t>
+            </a:r>
+          </a:p>
+          <a:p>
+            <a:r>
+              <a:rPr lang="en-US" dirty="0" err="1"/>
+              <a:t>Arr</a:t>
+            </a:r>
+            <a:r>
+              <a:rPr lang="en-US" dirty="0"/>
+              <a:t> = [-5, 2,,10,4,5], t= 6</a:t>
+            </a:r>
+            <a:r>
+              <a:rPr lang="en-US" dirty="0" smtClean="0"/>
+              <a:t> </a:t>
+            </a:r>
+            <a:r>
+              <a:rPr lang="en-US" dirty="0"/>
+              <a:t>-&gt; should return </a:t>
+            </a:r>
+            <a:r>
+              <a:rPr lang="en-US" dirty="0" smtClean="0"/>
+              <a:t>4</a:t>
+            </a:r>
+            <a:endParaRPr lang="en-US" dirty="0"/>
+          </a:p>
+          <a:p>
+            <a:r>
+              <a:rPr lang="en-US" dirty="0" err="1"/>
+              <a:t>Arr</a:t>
+            </a:r>
+            <a:r>
+              <a:rPr lang="en-US" dirty="0"/>
+              <a:t> = [-5, 2,,10,4,5], t= </a:t>
+            </a:r>
+            <a:r>
+              <a:rPr lang="en-US" dirty="0" smtClean="0"/>
+              <a:t>20 </a:t>
+            </a:r>
+            <a:r>
+              <a:rPr lang="en-US" dirty="0"/>
+              <a:t>-&gt; should return </a:t>
+            </a:r>
+            <a:r>
+              <a:rPr lang="en-US" dirty="0" smtClean="0"/>
+              <a:t>-1 ( as 20 is not present in the array)</a:t>
+            </a:r>
+            <a:endParaRPr lang="en-US" dirty="0"/>
+          </a:p>
+          <a:p>
+            <a:endParaRPr lang="en-US" dirty="0" smtClean="0"/>
+          </a:p>
+        </p:txBody>
+      </p:sp>
+      <p:sp>
+        <p:nvSpPr>
+          <p:cNvPr id="5" name="Title 4"/>
           <p:cNvSpPr>
             <a:spLocks noGrp="1"/>
           </p:cNvSpPr>
@@ -6084,61 +6147,297 @@
           <a:p>
             <a:r>
               <a:rPr lang="en-US" dirty="0" smtClean="0"/>
-              <a:t>Linear search pseudocode</a:t>
+              <a:t>Linear Search </a:t>
             </a:r>
             <a:endParaRPr lang="en-US" dirty="0"/>
-          </a:p>
-        </p:txBody>
-      </p:sp>
-      <p:sp>
-        <p:nvSpPr>
-          <p:cNvPr id="3" name="Content Placeholder 2"/>
-          <p:cNvSpPr>
-            <a:spLocks noGrp="1"/>
-          </p:cNvSpPr>
-          <p:nvPr>
-            <p:ph idx="1"/>
-          </p:nvPr>
-        </p:nvSpPr>
-        <p:spPr/>
-        <p:txBody>
-          <a:bodyPr/>
-          <a:lstStyle/>
-          <a:p>
-            <a:r>
-              <a:rPr lang="en-US" dirty="0" smtClean="0"/>
-              <a:t>Start at the first element in the array  and move towards the last</a:t>
-            </a:r>
-          </a:p>
-          <a:p>
-            <a:r>
-              <a:rPr lang="en-US" dirty="0" smtClean="0"/>
-              <a:t>At each element though, check if the element is equal to the target element.</a:t>
-            </a:r>
-          </a:p>
-          <a:p>
-            <a:r>
-              <a:rPr lang="en-US" dirty="0" smtClean="0"/>
-              <a:t>If element found, return the index of the element.</a:t>
-            </a:r>
-          </a:p>
-          <a:p>
-            <a:r>
-              <a:rPr lang="en-US" dirty="0" smtClean="0"/>
-              <a:t>If we don’t found the element</a:t>
-            </a:r>
-            <a:r>
-              <a:rPr lang="en-US" smtClean="0"/>
-              <a:t>, return -1</a:t>
-            </a:r>
-            <a:endParaRPr lang="en-US"/>
           </a:p>
         </p:txBody>
       </p:sp>
     </p:spTree>
     <p:extLst>
       <p:ext uri="{BB962C8B-B14F-4D97-AF65-F5344CB8AC3E}">
-        <p14:creationId xmlns:p14="http://schemas.microsoft.com/office/powerpoint/2010/main" val="2095328188"/>
+        <p14:creationId xmlns:p14="http://schemas.microsoft.com/office/powerpoint/2010/main" val="3362097925"/>
+      </p:ext>
+    </p:extLst>
+  </p:cSld>
+  <p:clrMapOvr>
+    <a:masterClrMapping/>
+  </p:clrMapOvr>
+  <p:timing>
+    <p:tnLst>
+      <p:par>
+        <p:cTn id="1" dur="indefinite" restart="never" nodeType="tmRoot"/>
+      </p:par>
+    </p:tnLst>
+  </p:timing>
+</p:sld>
+</file>
+
+<file path=ppt/slides/slide4.xml><?xml version="1.0" encoding="utf-8"?>
+<p:sld xmlns:a="http://schemas.openxmlformats.org/drawingml/2006/main" xmlns:r="http://schemas.openxmlformats.org/officeDocument/2006/relationships" xmlns:p="http://schemas.openxmlformats.org/presentationml/2006/main">
+  <p:cSld>
+    <p:spTree>
+      <p:nvGrpSpPr>
+        <p:cNvPr id="1" name=""/>
+        <p:cNvGrpSpPr/>
+        <p:nvPr/>
+      </p:nvGrpSpPr>
+      <p:grpSpPr>
+        <a:xfrm>
+          <a:off x="0" y="0"/>
+          <a:ext cx="0" cy="0"/>
+          <a:chOff x="0" y="0"/>
+          <a:chExt cx="0" cy="0"/>
+        </a:xfrm>
+      </p:grpSpPr>
+      <p:sp>
+        <p:nvSpPr>
+          <p:cNvPr id="2" name="Title 1"/>
+          <p:cNvSpPr>
+            <a:spLocks noGrp="1"/>
+          </p:cNvSpPr>
+          <p:nvPr>
+            <p:ph type="title"/>
+          </p:nvPr>
+        </p:nvSpPr>
+        <p:spPr/>
+        <p:txBody>
+          <a:bodyPr/>
+          <a:lstStyle/>
+          <a:p>
+            <a:r>
+              <a:rPr lang="en-US" dirty="0" smtClean="0"/>
+              <a:t>Binary Search</a:t>
+            </a:r>
+            <a:endParaRPr lang="en-US" dirty="0"/>
+          </a:p>
+        </p:txBody>
+      </p:sp>
+      <p:sp>
+        <p:nvSpPr>
+          <p:cNvPr id="3" name="Content Placeholder 2"/>
+          <p:cNvSpPr>
+            <a:spLocks noGrp="1"/>
+          </p:cNvSpPr>
+          <p:nvPr>
+            <p:ph idx="1"/>
+          </p:nvPr>
+        </p:nvSpPr>
+        <p:spPr/>
+        <p:txBody>
+          <a:bodyPr/>
+          <a:lstStyle/>
+          <a:p>
+            <a:r>
+              <a:rPr lang="en-US" dirty="0" smtClean="0"/>
+              <a:t>Problem- Given a sorted array of ‘n’ elements and a target element ‘t’, find the index of ‘t’ in the array Return -1 if the target element is not found.</a:t>
+            </a:r>
+          </a:p>
+          <a:p>
+            <a:endParaRPr lang="en-US" dirty="0"/>
+          </a:p>
+          <a:p>
+            <a:r>
+              <a:rPr lang="en-US" dirty="0" err="1"/>
+              <a:t>Arr</a:t>
+            </a:r>
+            <a:r>
+              <a:rPr lang="en-US" dirty="0"/>
+              <a:t> = [-5, </a:t>
+            </a:r>
+            <a:r>
+              <a:rPr lang="en-US" dirty="0" smtClean="0"/>
+              <a:t>2,4, 6, 10], </a:t>
+            </a:r>
+            <a:r>
+              <a:rPr lang="en-US" dirty="0"/>
+              <a:t>t= 10 -&gt; should return </a:t>
+            </a:r>
+            <a:r>
+              <a:rPr lang="en-US" dirty="0" smtClean="0"/>
+              <a:t>4</a:t>
+            </a:r>
+            <a:endParaRPr lang="en-US" dirty="0"/>
+          </a:p>
+          <a:p>
+            <a:r>
+              <a:rPr lang="en-US" dirty="0" err="1"/>
+              <a:t>Arr</a:t>
+            </a:r>
+            <a:r>
+              <a:rPr lang="en-US" dirty="0"/>
+              <a:t> = [-5, 2,4, 6, 10</a:t>
+            </a:r>
+            <a:r>
+              <a:rPr lang="en-US" dirty="0" smtClean="0"/>
+              <a:t>], </a:t>
+            </a:r>
+            <a:r>
+              <a:rPr lang="en-US" dirty="0"/>
+              <a:t>t= 6 -&gt; should return </a:t>
+            </a:r>
+            <a:r>
+              <a:rPr lang="en-US" dirty="0" smtClean="0"/>
+              <a:t>3</a:t>
+            </a:r>
+            <a:endParaRPr lang="en-US" dirty="0"/>
+          </a:p>
+          <a:p>
+            <a:r>
+              <a:rPr lang="en-US" dirty="0" err="1"/>
+              <a:t>Arr</a:t>
+            </a:r>
+            <a:r>
+              <a:rPr lang="en-US" dirty="0"/>
+              <a:t> = [-5, 2,4, 6, 10], </a:t>
+            </a:r>
+            <a:r>
+              <a:rPr lang="en-US" dirty="0" smtClean="0"/>
+              <a:t>t</a:t>
+            </a:r>
+            <a:r>
+              <a:rPr lang="en-US" dirty="0"/>
+              <a:t>= 20 -&gt; should return -1 ( as 20 is not present in the array)</a:t>
+            </a:r>
+          </a:p>
+          <a:p>
+            <a:r>
+              <a:rPr lang="en-US" dirty="0"/>
+              <a:t>Binary search works on only sorted arrays if should have a sorted array we should go for linear search or first sort the array</a:t>
+            </a:r>
+          </a:p>
+          <a:p>
+            <a:endParaRPr lang="en-US" dirty="0"/>
+          </a:p>
+        </p:txBody>
+      </p:sp>
+    </p:spTree>
+    <p:extLst>
+      <p:ext uri="{BB962C8B-B14F-4D97-AF65-F5344CB8AC3E}">
+        <p14:creationId xmlns:p14="http://schemas.microsoft.com/office/powerpoint/2010/main" val="847707000"/>
+      </p:ext>
+    </p:extLst>
+  </p:cSld>
+  <p:clrMapOvr>
+    <a:masterClrMapping/>
+  </p:clrMapOvr>
+</p:sld>
+</file>
+
+<file path=ppt/slides/slide5.xml><?xml version="1.0" encoding="utf-8"?>
+<p:sld xmlns:a="http://schemas.openxmlformats.org/drawingml/2006/main" xmlns:r="http://schemas.openxmlformats.org/officeDocument/2006/relationships" xmlns:p="http://schemas.openxmlformats.org/presentationml/2006/main">
+  <p:cSld>
+    <p:spTree>
+      <p:nvGrpSpPr>
+        <p:cNvPr id="1" name=""/>
+        <p:cNvGrpSpPr/>
+        <p:nvPr/>
+      </p:nvGrpSpPr>
+      <p:grpSpPr>
+        <a:xfrm>
+          <a:off x="0" y="0"/>
+          <a:ext cx="0" cy="0"/>
+          <a:chOff x="0" y="0"/>
+          <a:chExt cx="0" cy="0"/>
+        </a:xfrm>
+      </p:grpSpPr>
+      <p:sp>
+        <p:nvSpPr>
+          <p:cNvPr id="2" name="Title 1"/>
+          <p:cNvSpPr>
+            <a:spLocks noGrp="1"/>
+          </p:cNvSpPr>
+          <p:nvPr>
+            <p:ph type="title"/>
+          </p:nvPr>
+        </p:nvSpPr>
+        <p:spPr/>
+        <p:txBody>
+          <a:bodyPr/>
+          <a:lstStyle/>
+          <a:p>
+            <a:r>
+              <a:rPr lang="en-US" dirty="0" smtClean="0"/>
+              <a:t>Binary Search Pseudocode</a:t>
+            </a:r>
+            <a:endParaRPr lang="en-US" dirty="0"/>
+          </a:p>
+        </p:txBody>
+      </p:sp>
+      <p:sp>
+        <p:nvSpPr>
+          <p:cNvPr id="3" name="Content Placeholder 2"/>
+          <p:cNvSpPr>
+            <a:spLocks noGrp="1"/>
+          </p:cNvSpPr>
+          <p:nvPr>
+            <p:ph idx="1"/>
+          </p:nvPr>
+        </p:nvSpPr>
+        <p:spPr/>
+        <p:txBody>
+          <a:bodyPr/>
+          <a:lstStyle/>
+          <a:p>
+            <a:r>
+              <a:rPr lang="en-US" b="1" i="1" dirty="0"/>
+              <a:t>Binary Search</a:t>
+            </a:r>
+            <a:r>
+              <a:rPr lang="en-US" i="1" dirty="0"/>
+              <a:t> is a </a:t>
+            </a:r>
+            <a:r>
+              <a:rPr lang="en-US" i="1" u="sng" dirty="0">
+                <a:hlinkClick r:id="rId2"/>
+              </a:rPr>
+              <a:t>searching algorithm</a:t>
+            </a:r>
+            <a:r>
+              <a:rPr lang="en-US" i="1" dirty="0"/>
+              <a:t> used in a sorted array by </a:t>
+            </a:r>
+            <a:r>
+              <a:rPr lang="en-US" b="1" i="1" dirty="0"/>
+              <a:t>repeatedly dividing the search interval in half</a:t>
+            </a:r>
+            <a:r>
+              <a:rPr lang="en-US" i="1" dirty="0"/>
+              <a:t>. The idea of binary search is to use the information that the array is sorted and reduce the time complexity to O(Log n). </a:t>
+            </a:r>
+            <a:endParaRPr lang="en-US" i="1" dirty="0" smtClean="0"/>
+          </a:p>
+          <a:p>
+            <a:r>
+              <a:rPr lang="en-US" i="1" dirty="0" smtClean="0"/>
+              <a:t>If the array is empty, return -1 as the element cannot be found</a:t>
+            </a:r>
+          </a:p>
+          <a:p>
+            <a:r>
+              <a:rPr lang="en-US" i="1" dirty="0" smtClean="0"/>
+              <a:t>If the array has elements, find the middle element in the array, if the target is equal to the middle element, return the middle element index.</a:t>
+            </a:r>
+          </a:p>
+          <a:p>
+            <a:r>
+              <a:rPr lang="en-US" i="1" dirty="0" smtClean="0"/>
+              <a:t>If the target is less than the middle element, binary search left half of the array.</a:t>
+            </a:r>
+          </a:p>
+          <a:p>
+            <a:r>
+              <a:rPr lang="en-US" i="1" dirty="0" smtClean="0"/>
+              <a:t>If the target is greater than middle element, binary search right half of the array.</a:t>
+            </a:r>
+            <a:endParaRPr lang="en-US" dirty="0"/>
+          </a:p>
+        </p:txBody>
+      </p:sp>
+    </p:spTree>
+    <p:extLst>
+      <p:ext uri="{BB962C8B-B14F-4D97-AF65-F5344CB8AC3E}">
+        <p14:creationId xmlns:p14="http://schemas.microsoft.com/office/powerpoint/2010/main" val="1905693857"/>
       </p:ext>
     </p:extLst>
   </p:cSld>

--- a/Search Algorithm.pptx
+++ b/Search Algorithm.pptx
@@ -10,6 +10,8 @@
     <p:sldId id="257" r:id="rId4"/>
     <p:sldId id="260" r:id="rId5"/>
     <p:sldId id="259" r:id="rId6"/>
+    <p:sldId id="261" r:id="rId7"/>
+    <p:sldId id="262" r:id="rId8"/>
   </p:sldIdLst>
   <p:sldSz cx="12192000" cy="6858000"/>
   <p:notesSz cx="6858000" cy="9144000"/>
@@ -6447,6 +6449,240 @@
 </p:sld>
 </file>
 
+<file path=ppt/slides/slide6.xml><?xml version="1.0" encoding="utf-8"?>
+<p:sld xmlns:a="http://schemas.openxmlformats.org/drawingml/2006/main" xmlns:r="http://schemas.openxmlformats.org/officeDocument/2006/relationships" xmlns:p="http://schemas.openxmlformats.org/presentationml/2006/main">
+  <p:cSld>
+    <p:spTree>
+      <p:nvGrpSpPr>
+        <p:cNvPr id="1" name=""/>
+        <p:cNvGrpSpPr/>
+        <p:nvPr/>
+      </p:nvGrpSpPr>
+      <p:grpSpPr>
+        <a:xfrm>
+          <a:off x="0" y="0"/>
+          <a:ext cx="0" cy="0"/>
+          <a:chOff x="0" y="0"/>
+          <a:chExt cx="0" cy="0"/>
+        </a:xfrm>
+      </p:grpSpPr>
+      <p:sp>
+        <p:nvSpPr>
+          <p:cNvPr id="2" name="Title 1"/>
+          <p:cNvSpPr>
+            <a:spLocks noGrp="1"/>
+          </p:cNvSpPr>
+          <p:nvPr>
+            <p:ph type="title"/>
+          </p:nvPr>
+        </p:nvSpPr>
+        <p:spPr/>
+        <p:txBody>
+          <a:bodyPr/>
+          <a:lstStyle/>
+          <a:p>
+            <a:r>
+              <a:rPr lang="en-US" dirty="0" smtClean="0"/>
+              <a:t>Recursive binary search</a:t>
+            </a:r>
+            <a:endParaRPr lang="en-US" dirty="0"/>
+          </a:p>
+        </p:txBody>
+      </p:sp>
+      <p:sp>
+        <p:nvSpPr>
+          <p:cNvPr id="3" name="Content Placeholder 2"/>
+          <p:cNvSpPr>
+            <a:spLocks noGrp="1"/>
+          </p:cNvSpPr>
+          <p:nvPr>
+            <p:ph idx="1"/>
+          </p:nvPr>
+        </p:nvSpPr>
+        <p:spPr>
+          <a:xfrm>
+            <a:off x="677334" y="1930400"/>
+            <a:ext cx="8596668" cy="3880773"/>
+          </a:xfrm>
+        </p:spPr>
+        <p:txBody>
+          <a:bodyPr/>
+          <a:lstStyle/>
+          <a:p>
+            <a:r>
+              <a:rPr lang="en-US" dirty="0"/>
+              <a:t>Problem- Given a sorted array of ‘n’ elements and a target element ‘t’, find the index of ‘t’ in the array Return -1 if the target element is not found.</a:t>
+            </a:r>
+          </a:p>
+          <a:p>
+            <a:endParaRPr lang="en-US" dirty="0"/>
+          </a:p>
+          <a:p>
+            <a:r>
+              <a:rPr lang="en-US" dirty="0" err="1"/>
+              <a:t>Arr</a:t>
+            </a:r>
+            <a:r>
+              <a:rPr lang="en-US" dirty="0"/>
+              <a:t> = [-5, 2,4, 6, 10], t= 10 -&gt; should return 4</a:t>
+            </a:r>
+          </a:p>
+          <a:p>
+            <a:r>
+              <a:rPr lang="en-US" dirty="0" err="1"/>
+              <a:t>Arr</a:t>
+            </a:r>
+            <a:r>
+              <a:rPr lang="en-US" dirty="0"/>
+              <a:t> = [-5, 2,4, 6, 10], t= 6 -&gt; should return 3</a:t>
+            </a:r>
+          </a:p>
+          <a:p>
+            <a:r>
+              <a:rPr lang="en-US" dirty="0" err="1"/>
+              <a:t>Arr</a:t>
+            </a:r>
+            <a:r>
+              <a:rPr lang="en-US" dirty="0"/>
+              <a:t> = [-5, 2,4, 6, 10], t= 20 -&gt; should return -1</a:t>
+            </a:r>
+          </a:p>
+        </p:txBody>
+      </p:sp>
+    </p:spTree>
+    <p:extLst>
+      <p:ext uri="{BB962C8B-B14F-4D97-AF65-F5344CB8AC3E}">
+        <p14:creationId xmlns:p14="http://schemas.microsoft.com/office/powerpoint/2010/main" val="3541672152"/>
+      </p:ext>
+    </p:extLst>
+  </p:cSld>
+  <p:clrMapOvr>
+    <a:masterClrMapping/>
+  </p:clrMapOvr>
+</p:sld>
+</file>
+
+<file path=ppt/slides/slide7.xml><?xml version="1.0" encoding="utf-8"?>
+<p:sld xmlns:a="http://schemas.openxmlformats.org/drawingml/2006/main" xmlns:r="http://schemas.openxmlformats.org/officeDocument/2006/relationships" xmlns:p="http://schemas.openxmlformats.org/presentationml/2006/main">
+  <p:cSld>
+    <p:spTree>
+      <p:nvGrpSpPr>
+        <p:cNvPr id="1" name=""/>
+        <p:cNvGrpSpPr/>
+        <p:nvPr/>
+      </p:nvGrpSpPr>
+      <p:grpSpPr>
+        <a:xfrm>
+          <a:off x="0" y="0"/>
+          <a:ext cx="0" cy="0"/>
+          <a:chOff x="0" y="0"/>
+          <a:chExt cx="0" cy="0"/>
+        </a:xfrm>
+      </p:grpSpPr>
+      <p:sp>
+        <p:nvSpPr>
+          <p:cNvPr id="2" name="Title 1"/>
+          <p:cNvSpPr>
+            <a:spLocks noGrp="1"/>
+          </p:cNvSpPr>
+          <p:nvPr>
+            <p:ph type="title"/>
+          </p:nvPr>
+        </p:nvSpPr>
+        <p:spPr/>
+        <p:txBody>
+          <a:bodyPr/>
+          <a:lstStyle/>
+          <a:p>
+            <a:r>
+              <a:rPr lang="en-US" dirty="0" smtClean="0"/>
+              <a:t>Tips for recursive solution</a:t>
+            </a:r>
+            <a:endParaRPr lang="en-US" dirty="0"/>
+          </a:p>
+        </p:txBody>
+      </p:sp>
+      <p:sp>
+        <p:nvSpPr>
+          <p:cNvPr id="3" name="Content Placeholder 2"/>
+          <p:cNvSpPr>
+            <a:spLocks noGrp="1"/>
+          </p:cNvSpPr>
+          <p:nvPr>
+            <p:ph idx="1"/>
+          </p:nvPr>
+        </p:nvSpPr>
+        <p:spPr/>
+        <p:txBody>
+          <a:bodyPr/>
+          <a:lstStyle/>
+          <a:p>
+            <a:r>
+              <a:rPr lang="en-US" dirty="0" smtClean="0"/>
+              <a:t>Figure out how to break down the problem into smaller versions of the same problem </a:t>
+            </a:r>
+          </a:p>
+          <a:p>
+            <a:r>
+              <a:rPr lang="en-US" dirty="0" smtClean="0"/>
+              <a:t>Identify the base case</a:t>
+            </a:r>
+          </a:p>
+          <a:p>
+            <a:r>
+              <a:rPr lang="en-US" i="1" dirty="0" smtClean="0"/>
+              <a:t>Base case- If </a:t>
+            </a:r>
+            <a:r>
+              <a:rPr lang="en-US" i="1" dirty="0"/>
+              <a:t>the array is empty, return -1 as the element cannot be found</a:t>
+            </a:r>
+          </a:p>
+          <a:p>
+            <a:r>
+              <a:rPr lang="en-US" i="1" dirty="0" smtClean="0"/>
+              <a:t> </a:t>
+            </a:r>
+            <a:r>
+              <a:rPr lang="en-US" i="1" smtClean="0"/>
+              <a:t>base case- If </a:t>
+            </a:r>
+            <a:r>
+              <a:rPr lang="en-US" i="1" dirty="0"/>
+              <a:t>the array has elements, find the middle element in the array, if the target is equal to the middle element, return the middle element index.</a:t>
+            </a:r>
+          </a:p>
+          <a:p>
+            <a:r>
+              <a:rPr lang="en-US" i="1" dirty="0"/>
+              <a:t>If the target is less than the middle element, binary search left half of the array.</a:t>
+            </a:r>
+          </a:p>
+          <a:p>
+            <a:r>
+              <a:rPr lang="en-US" i="1" dirty="0"/>
+              <a:t>If the target is greater than middle element, binary search right half of the array.</a:t>
+            </a:r>
+            <a:endParaRPr lang="en-US" dirty="0"/>
+          </a:p>
+          <a:p>
+            <a:endParaRPr lang="en-US" dirty="0"/>
+          </a:p>
+        </p:txBody>
+      </p:sp>
+    </p:spTree>
+    <p:extLst>
+      <p:ext uri="{BB962C8B-B14F-4D97-AF65-F5344CB8AC3E}">
+        <p14:creationId xmlns:p14="http://schemas.microsoft.com/office/powerpoint/2010/main" val="1252512290"/>
+      </p:ext>
+    </p:extLst>
+  </p:cSld>
+  <p:clrMapOvr>
+    <a:masterClrMapping/>
+  </p:clrMapOvr>
+</p:sld>
+</file>
+
 <file path=ppt/theme/theme1.xml><?xml version="1.0" encoding="utf-8"?>
 <a:theme xmlns:a="http://schemas.openxmlformats.org/drawingml/2006/main" name="Facet">
   <a:themeElements>

--- a/Search Algorithm.pptx
+++ b/Search Algorithm.pptx
@@ -6641,11 +6641,7 @@
           <a:p>
             <a:r>
               <a:rPr lang="en-US" i="1" dirty="0" smtClean="0"/>
-              <a:t> </a:t>
-            </a:r>
-            <a:r>
-              <a:rPr lang="en-US" i="1" smtClean="0"/>
-              <a:t>base case- If </a:t>
+              <a:t> base case- If </a:t>
             </a:r>
             <a:r>
               <a:rPr lang="en-US" i="1" dirty="0"/>
